--- a/MATLAB Tutorial - Reduced Order Representation of Microstructure.pptx
+++ b/MATLAB Tutorial - Reduced Order Representation of Microstructure.pptx
@@ -6502,8 +6502,8 @@
           </a:p>
         </p:txBody>
       </p:sp>
-      <mc:AlternateContent xmlns:mc="http://schemas.openxmlformats.org/markup-compatibility/2006">
-        <mc:Choice xmlns:a14="http://schemas.microsoft.com/office/drawing/2010/main" Requires="a14">
+      <mc:AlternateContent xmlns:mc="http://schemas.openxmlformats.org/markup-compatibility/2006" xmlns:a14="http://schemas.microsoft.com/office/drawing/2010/main">
+        <mc:Choice Requires="a14">
           <p:sp>
             <p:nvSpPr>
               <p:cNvPr id="23" name="TextBox 22"/>
@@ -6655,7 +6655,7 @@
             </p:txBody>
           </p:sp>
         </mc:Choice>
-        <mc:Fallback>
+        <mc:Fallback xmlns="">
           <p:sp>
             <p:nvSpPr>
               <p:cNvPr id="23" name="TextBox 22"/>
@@ -14764,7 +14764,7 @@
         </p:nvSpPr>
         <p:spPr>
           <a:xfrm>
-            <a:off x="83821" y="2019300"/>
+            <a:off x="83821" y="2108752"/>
             <a:ext cx="8985364" cy="1938992"/>
           </a:xfrm>
           <a:prstGeom prst="rect">
